--- a/7.stats_notes/module_7_dwd_stats_advance.pptx
+++ b/7.stats_notes/module_7_dwd_stats_advance.pptx
@@ -4179,7 +4179,7 @@
         <p:spPr>
           <a:xfrm>
             <a:off x="712470" y="535940"/>
-            <a:ext cx="6000115" cy="5988050"/>
+            <a:ext cx="6000115" cy="5741670"/>
           </a:xfrm>
           <a:prstGeom prst="rect">
             <a:avLst/>
@@ -4208,33 +4208,6 @@
               </a:rPr>
               <a:t>Visualising Data   </a:t>
             </a:r>
-            <a:r>
-              <a:rPr sz="1600" b="0" i="0">
-                <a:solidFill>
-                  <a:srgbClr val="000000"/>
-                </a:solidFill>
-                <a:latin typeface="Tomorrow"/>
-                <a:ea typeface="Tomorrow"/>
-              </a:rPr>
-              <a:t>Sep 02, 2024</a:t>
-            </a:r>
-            <a:endParaRPr sz="1600" b="0" i="0">
-              <a:solidFill>
-                <a:srgbClr val="000000"/>
-              </a:solidFill>
-              <a:latin typeface="Tomorrow"/>
-              <a:ea typeface="Tomorrow"/>
-            </a:endParaRPr>
-          </a:p>
-          <a:p>
-            <a:pPr marL="0" indent="0">
-              <a:spcBef>
-                <a:spcPct val="0"/>
-              </a:spcBef>
-              <a:spcAft>
-                <a:spcPct val="0"/>
-              </a:spcAft>
-            </a:pPr>
             <a:r>
               <a:rPr sz="1600" b="0" i="0">
                 <a:solidFill>
@@ -5062,8 +5035,8 @@
         </p:blipFill>
         <p:spPr>
           <a:xfrm>
-            <a:off x="842010" y="1902460"/>
-            <a:ext cx="7726045" cy="4578985"/>
+            <a:off x="601980" y="157480"/>
+            <a:ext cx="8995410" cy="5331460"/>
           </a:xfrm>
           <a:prstGeom prst="rect">
             <a:avLst/>
@@ -5106,7 +5079,7 @@
         <p:spPr>
           <a:xfrm>
             <a:off x="1040765" y="584200"/>
-            <a:ext cx="7474585" cy="4161155"/>
+            <a:ext cx="9877425" cy="5499100"/>
           </a:xfrm>
           <a:prstGeom prst="rect">
             <a:avLst/>
@@ -5148,8 +5121,8 @@
         </p:blipFill>
         <p:spPr>
           <a:xfrm>
-            <a:off x="1814830" y="427355"/>
-            <a:ext cx="6240780" cy="4276090"/>
+            <a:off x="539750" y="208280"/>
+            <a:ext cx="9018270" cy="6179185"/>
           </a:xfrm>
           <a:prstGeom prst="rect">
             <a:avLst/>
